--- a/농산물 시세(10주차).pptx
+++ b/농산물 시세(10주차).pptx
@@ -21,6 +21,9 @@
     <p:sldId id="365" r:id="rId15"/>
     <p:sldId id="366" r:id="rId16"/>
     <p:sldId id="367" r:id="rId17"/>
+    <p:sldId id="368" r:id="rId18"/>
+    <p:sldId id="369" r:id="rId19"/>
+    <p:sldId id="370" r:id="rId20"/>
   </p:sldIdLst>
   <p:sldSz cx="12192000" cy="6858000"/>
   <p:notesSz cx="6858000" cy="9144000"/>
@@ -4162,6 +4165,439 @@
     <p:extLst>
       <p:ext uri="{BB962C8B-B14F-4D97-AF65-F5344CB8AC3E}">
         <p14:creationId xmlns:p14="http://schemas.microsoft.com/office/powerpoint/2010/main" val="1666836258"/>
+      </p:ext>
+    </p:extLst>
+  </p:cSld>
+  <p:clrMapOvr>
+    <a:masterClrMapping/>
+  </p:clrMapOvr>
+</p:sld>
+</file>
+
+<file path=ppt/slides/slide17.xml><?xml version="1.0" encoding="utf-8"?>
+<p:sld xmlns:a="http://schemas.openxmlformats.org/drawingml/2006/main" xmlns:r="http://schemas.openxmlformats.org/officeDocument/2006/relationships" xmlns:p="http://schemas.openxmlformats.org/presentationml/2006/main">
+  <p:cSld>
+    <p:spTree>
+      <p:nvGrpSpPr>
+        <p:cNvPr id="1" name=""/>
+        <p:cNvGrpSpPr/>
+        <p:nvPr/>
+      </p:nvGrpSpPr>
+      <p:grpSpPr>
+        <a:xfrm>
+          <a:off x="0" y="0"/>
+          <a:ext cx="0" cy="0"/>
+          <a:chOff x="0" y="0"/>
+          <a:chExt cx="0" cy="0"/>
+        </a:xfrm>
+      </p:grpSpPr>
+      <p:sp>
+        <p:nvSpPr>
+          <p:cNvPr id="2" name="제목 1">
+            <a:extLst>
+              <a:ext uri="{FF2B5EF4-FFF2-40B4-BE49-F238E27FC236}">
+                <a16:creationId xmlns:a16="http://schemas.microsoft.com/office/drawing/2014/main" id="{9C1F2B36-F715-49FE-8005-4132FFED8AD7}"/>
+              </a:ext>
+            </a:extLst>
+          </p:cNvPr>
+          <p:cNvSpPr>
+            <a:spLocks noGrp="1"/>
+          </p:cNvSpPr>
+          <p:nvPr>
+            <p:ph type="title"/>
+          </p:nvPr>
+        </p:nvSpPr>
+        <p:spPr/>
+        <p:txBody>
+          <a:bodyPr/>
+          <a:lstStyle/>
+          <a:p>
+            <a:r>
+              <a:rPr lang="en-US" altLang="ko-KR" dirty="0"/>
+              <a:t>Error?...</a:t>
+            </a:r>
+            <a:endParaRPr lang="ko-KR" altLang="en-US" dirty="0"/>
+          </a:p>
+        </p:txBody>
+      </p:sp>
+      <p:pic>
+        <p:nvPicPr>
+          <p:cNvPr id="3" name="그림 2">
+            <a:extLst>
+              <a:ext uri="{FF2B5EF4-FFF2-40B4-BE49-F238E27FC236}">
+                <a16:creationId xmlns:a16="http://schemas.microsoft.com/office/drawing/2014/main" id="{D3E6896A-F1E4-475D-A4F1-7F75D16B6DF4}"/>
+              </a:ext>
+            </a:extLst>
+          </p:cNvPr>
+          <p:cNvPicPr>
+            <a:picLocks noChangeAspect="1"/>
+          </p:cNvPicPr>
+          <p:nvPr/>
+        </p:nvPicPr>
+        <p:blipFill>
+          <a:blip r:embed="rId2"/>
+          <a:stretch>
+            <a:fillRect/>
+          </a:stretch>
+        </p:blipFill>
+        <p:spPr>
+          <a:xfrm>
+            <a:off x="4638675" y="320675"/>
+            <a:ext cx="6715125" cy="6172200"/>
+          </a:xfrm>
+          <a:prstGeom prst="rect">
+            <a:avLst/>
+          </a:prstGeom>
+        </p:spPr>
+      </p:pic>
+    </p:spTree>
+    <p:extLst>
+      <p:ext uri="{BB962C8B-B14F-4D97-AF65-F5344CB8AC3E}">
+        <p14:creationId xmlns:p14="http://schemas.microsoft.com/office/powerpoint/2010/main" val="508790461"/>
+      </p:ext>
+    </p:extLst>
+  </p:cSld>
+  <p:clrMapOvr>
+    <a:masterClrMapping/>
+  </p:clrMapOvr>
+</p:sld>
+</file>
+
+<file path=ppt/slides/slide18.xml><?xml version="1.0" encoding="utf-8"?>
+<p:sld xmlns:a="http://schemas.openxmlformats.org/drawingml/2006/main" xmlns:r="http://schemas.openxmlformats.org/officeDocument/2006/relationships" xmlns:p="http://schemas.openxmlformats.org/presentationml/2006/main">
+  <p:cSld>
+    <p:spTree>
+      <p:nvGrpSpPr>
+        <p:cNvPr id="1" name=""/>
+        <p:cNvGrpSpPr/>
+        <p:nvPr/>
+      </p:nvGrpSpPr>
+      <p:grpSpPr>
+        <a:xfrm>
+          <a:off x="0" y="0"/>
+          <a:ext cx="0" cy="0"/>
+          <a:chOff x="0" y="0"/>
+          <a:chExt cx="0" cy="0"/>
+        </a:xfrm>
+      </p:grpSpPr>
+      <p:sp>
+        <p:nvSpPr>
+          <p:cNvPr id="2" name="제목 1">
+            <a:extLst>
+              <a:ext uri="{FF2B5EF4-FFF2-40B4-BE49-F238E27FC236}">
+                <a16:creationId xmlns:a16="http://schemas.microsoft.com/office/drawing/2014/main" id="{9C1F2B36-F715-49FE-8005-4132FFED8AD7}"/>
+              </a:ext>
+            </a:extLst>
+          </p:cNvPr>
+          <p:cNvSpPr>
+            <a:spLocks noGrp="1"/>
+          </p:cNvSpPr>
+          <p:nvPr>
+            <p:ph type="title"/>
+          </p:nvPr>
+        </p:nvSpPr>
+        <p:spPr/>
+        <p:txBody>
+          <a:bodyPr/>
+          <a:lstStyle/>
+          <a:p>
+            <a:r>
+              <a:rPr lang="en-US" altLang="ko-KR" dirty="0"/>
+              <a:t>Error?...</a:t>
+            </a:r>
+            <a:endParaRPr lang="ko-KR" altLang="en-US" dirty="0"/>
+          </a:p>
+        </p:txBody>
+      </p:sp>
+      <p:pic>
+        <p:nvPicPr>
+          <p:cNvPr id="5" name="그림 4">
+            <a:extLst>
+              <a:ext uri="{FF2B5EF4-FFF2-40B4-BE49-F238E27FC236}">
+                <a16:creationId xmlns:a16="http://schemas.microsoft.com/office/drawing/2014/main" id="{560CA886-C857-4496-A8CD-B17F6EF184E0}"/>
+              </a:ext>
+            </a:extLst>
+          </p:cNvPr>
+          <p:cNvPicPr>
+            <a:picLocks noChangeAspect="1"/>
+          </p:cNvPicPr>
+          <p:nvPr/>
+        </p:nvPicPr>
+        <p:blipFill>
+          <a:blip r:embed="rId2"/>
+          <a:stretch>
+            <a:fillRect/>
+          </a:stretch>
+        </p:blipFill>
+        <p:spPr>
+          <a:xfrm>
+            <a:off x="838201" y="1690689"/>
+            <a:ext cx="5085356" cy="2754312"/>
+          </a:xfrm>
+          <a:prstGeom prst="rect">
+            <a:avLst/>
+          </a:prstGeom>
+        </p:spPr>
+      </p:pic>
+      <p:pic>
+        <p:nvPicPr>
+          <p:cNvPr id="6" name="그림 5">
+            <a:extLst>
+              <a:ext uri="{FF2B5EF4-FFF2-40B4-BE49-F238E27FC236}">
+                <a16:creationId xmlns:a16="http://schemas.microsoft.com/office/drawing/2014/main" id="{84224D36-6890-40D6-8A6B-BF86E6BB3CFD}"/>
+              </a:ext>
+            </a:extLst>
+          </p:cNvPr>
+          <p:cNvPicPr>
+            <a:picLocks noChangeAspect="1"/>
+          </p:cNvPicPr>
+          <p:nvPr/>
+        </p:nvPicPr>
+        <p:blipFill>
+          <a:blip r:embed="rId3"/>
+          <a:stretch>
+            <a:fillRect/>
+          </a:stretch>
+        </p:blipFill>
+        <p:spPr>
+          <a:xfrm>
+            <a:off x="6565900" y="1627189"/>
+            <a:ext cx="4432300" cy="4028894"/>
+          </a:xfrm>
+          <a:prstGeom prst="rect">
+            <a:avLst/>
+          </a:prstGeom>
+        </p:spPr>
+      </p:pic>
+    </p:spTree>
+    <p:extLst>
+      <p:ext uri="{BB962C8B-B14F-4D97-AF65-F5344CB8AC3E}">
+        <p14:creationId xmlns:p14="http://schemas.microsoft.com/office/powerpoint/2010/main" val="1680009460"/>
+      </p:ext>
+    </p:extLst>
+  </p:cSld>
+  <p:clrMapOvr>
+    <a:masterClrMapping/>
+  </p:clrMapOvr>
+</p:sld>
+</file>
+
+<file path=ppt/slides/slide19.xml><?xml version="1.0" encoding="utf-8"?>
+<p:sld xmlns:a="http://schemas.openxmlformats.org/drawingml/2006/main" xmlns:r="http://schemas.openxmlformats.org/officeDocument/2006/relationships" xmlns:p="http://schemas.openxmlformats.org/presentationml/2006/main">
+  <p:cSld>
+    <p:spTree>
+      <p:nvGrpSpPr>
+        <p:cNvPr id="1" name=""/>
+        <p:cNvGrpSpPr/>
+        <p:nvPr/>
+      </p:nvGrpSpPr>
+      <p:grpSpPr>
+        <a:xfrm>
+          <a:off x="0" y="0"/>
+          <a:ext cx="0" cy="0"/>
+          <a:chOff x="0" y="0"/>
+          <a:chExt cx="0" cy="0"/>
+        </a:xfrm>
+      </p:grpSpPr>
+      <p:sp>
+        <p:nvSpPr>
+          <p:cNvPr id="2" name="제목 1">
+            <a:extLst>
+              <a:ext uri="{FF2B5EF4-FFF2-40B4-BE49-F238E27FC236}">
+                <a16:creationId xmlns:a16="http://schemas.microsoft.com/office/drawing/2014/main" id="{9C1F2B36-F715-49FE-8005-4132FFED8AD7}"/>
+              </a:ext>
+            </a:extLst>
+          </p:cNvPr>
+          <p:cNvSpPr>
+            <a:spLocks noGrp="1"/>
+          </p:cNvSpPr>
+          <p:nvPr>
+            <p:ph type="title"/>
+          </p:nvPr>
+        </p:nvSpPr>
+        <p:spPr/>
+        <p:txBody>
+          <a:bodyPr/>
+          <a:lstStyle/>
+          <a:p>
+            <a:r>
+              <a:rPr lang="en-US" altLang="ko-KR" dirty="0"/>
+              <a:t>Error?...</a:t>
+            </a:r>
+            <a:endParaRPr lang="ko-KR" altLang="en-US" dirty="0"/>
+          </a:p>
+        </p:txBody>
+      </p:sp>
+      <p:sp>
+        <p:nvSpPr>
+          <p:cNvPr id="4" name="TextBox 3">
+            <a:extLst>
+              <a:ext uri="{FF2B5EF4-FFF2-40B4-BE49-F238E27FC236}">
+                <a16:creationId xmlns:a16="http://schemas.microsoft.com/office/drawing/2014/main" id="{478ADBCB-2E00-470A-8D5E-CE10805F1BA8}"/>
+              </a:ext>
+            </a:extLst>
+          </p:cNvPr>
+          <p:cNvSpPr txBox="1"/>
+          <p:nvPr/>
+        </p:nvSpPr>
+        <p:spPr>
+          <a:xfrm>
+            <a:off x="838200" y="1506022"/>
+            <a:ext cx="3898900" cy="369332"/>
+          </a:xfrm>
+          <a:prstGeom prst="rect">
+            <a:avLst/>
+          </a:prstGeom>
+          <a:noFill/>
+        </p:spPr>
+        <p:txBody>
+          <a:bodyPr wrap="square" rtlCol="0">
+            <a:spAutoFit/>
+          </a:bodyPr>
+          <a:lstStyle/>
+          <a:p>
+            <a:r>
+              <a:rPr lang="en-US" altLang="ko-KR"/>
+              <a:t>java.lang.noclassdeffounderror </a:t>
+            </a:r>
+            <a:r>
+              <a:rPr lang="ko-KR" altLang="en-US"/>
+              <a:t>에러</a:t>
+            </a:r>
+            <a:endParaRPr lang="ko-KR" altLang="en-US" dirty="0"/>
+          </a:p>
+        </p:txBody>
+      </p:sp>
+      <p:sp>
+        <p:nvSpPr>
+          <p:cNvPr id="8" name="TextBox 7">
+            <a:extLst>
+              <a:ext uri="{FF2B5EF4-FFF2-40B4-BE49-F238E27FC236}">
+                <a16:creationId xmlns:a16="http://schemas.microsoft.com/office/drawing/2014/main" id="{7C9586FB-1D0C-4BC3-A68C-5CD788F0F883}"/>
+              </a:ext>
+            </a:extLst>
+          </p:cNvPr>
+          <p:cNvSpPr txBox="1"/>
+          <p:nvPr/>
+        </p:nvSpPr>
+        <p:spPr>
+          <a:xfrm>
+            <a:off x="952500" y="2397324"/>
+            <a:ext cx="3784600" cy="2585323"/>
+          </a:xfrm>
+          <a:prstGeom prst="rect">
+            <a:avLst/>
+          </a:prstGeom>
+          <a:noFill/>
+        </p:spPr>
+        <p:txBody>
+          <a:bodyPr wrap="square" rtlCol="0">
+            <a:spAutoFit/>
+          </a:bodyPr>
+          <a:lstStyle/>
+          <a:p>
+            <a:r>
+              <a:rPr lang="en-US" altLang="ko-KR" dirty="0" err="1"/>
+              <a:t>java.lang.NoClassDefFoundError</a:t>
+            </a:r>
+            <a:r>
+              <a:rPr lang="ko-KR" altLang="en-US" dirty="0"/>
+              <a:t>가 발생하는 이유는 </a:t>
+            </a:r>
+            <a:r>
+              <a:rPr lang="ko-KR" altLang="en-US" b="1" dirty="0"/>
+              <a:t>컴파일 환경에서는 클래스 참조가 되었지만 실행 환경에서는 해당 클래스를 </a:t>
+            </a:r>
+            <a:r>
+              <a:rPr lang="ko-KR" altLang="en-US" b="1" dirty="0" err="1"/>
+              <a:t>찾을수</a:t>
+            </a:r>
+            <a:r>
+              <a:rPr lang="ko-KR" altLang="en-US" b="1" dirty="0"/>
+              <a:t> 없는 경우</a:t>
+            </a:r>
+            <a:r>
+              <a:rPr lang="ko-KR" altLang="en-US" dirty="0"/>
+              <a:t> 발생한다</a:t>
+            </a:r>
+            <a:r>
+              <a:rPr lang="en-US" altLang="ko-KR" dirty="0"/>
+              <a:t>.</a:t>
+            </a:r>
+            <a:br>
+              <a:rPr lang="ko-KR" altLang="en-US" dirty="0"/>
+            </a:br>
+            <a:br>
+              <a:rPr lang="ko-KR" altLang="en-US" dirty="0"/>
+            </a:br>
+            <a:r>
+              <a:rPr lang="ko-KR" altLang="en-US" dirty="0"/>
+              <a:t>출처</a:t>
+            </a:r>
+            <a:r>
+              <a:rPr lang="en-US" altLang="ko-KR" dirty="0"/>
+              <a:t>: </a:t>
+            </a:r>
+            <a:r>
+              <a:rPr lang="en-US" altLang="ko-KR" dirty="0">
+                <a:hlinkClick r:id="rId2"/>
+              </a:rPr>
+              <a:t>https://nhj12311.tistory.com/84</a:t>
+            </a:r>
+            <a:r>
+              <a:rPr lang="ko-KR" altLang="en-US" dirty="0"/>
+              <a:t> </a:t>
+            </a:r>
+            <a:r>
+              <a:rPr lang="en-US" altLang="ko-KR" dirty="0"/>
+              <a:t>[</a:t>
+            </a:r>
+            <a:r>
+              <a:rPr lang="en-US" altLang="ko-KR" dirty="0" err="1"/>
+              <a:t>NSpace</a:t>
+            </a:r>
+            <a:r>
+              <a:rPr lang="en-US" altLang="ko-KR" dirty="0"/>
+              <a:t>]</a:t>
+            </a:r>
+            <a:endParaRPr lang="ko-KR" altLang="en-US" dirty="0"/>
+          </a:p>
+        </p:txBody>
+      </p:sp>
+      <p:pic>
+        <p:nvPicPr>
+          <p:cNvPr id="9" name="그림 8">
+            <a:extLst>
+              <a:ext uri="{FF2B5EF4-FFF2-40B4-BE49-F238E27FC236}">
+                <a16:creationId xmlns:a16="http://schemas.microsoft.com/office/drawing/2014/main" id="{00A16841-13C2-4C83-94E0-65C4619922BA}"/>
+              </a:ext>
+            </a:extLst>
+          </p:cNvPr>
+          <p:cNvPicPr>
+            <a:picLocks noChangeAspect="1"/>
+          </p:cNvPicPr>
+          <p:nvPr/>
+        </p:nvPicPr>
+        <p:blipFill>
+          <a:blip r:embed="rId3"/>
+          <a:stretch>
+            <a:fillRect/>
+          </a:stretch>
+        </p:blipFill>
+        <p:spPr>
+          <a:xfrm>
+            <a:off x="5495925" y="838200"/>
+            <a:ext cx="5857875" cy="5181600"/>
+          </a:xfrm>
+          <a:prstGeom prst="rect">
+            <a:avLst/>
+          </a:prstGeom>
+        </p:spPr>
+      </p:pic>
+    </p:spTree>
+    <p:extLst>
+      <p:ext uri="{BB962C8B-B14F-4D97-AF65-F5344CB8AC3E}">
+        <p14:creationId xmlns:p14="http://schemas.microsoft.com/office/powerpoint/2010/main" val="3063193620"/>
       </p:ext>
     </p:extLst>
   </p:cSld>
